--- a/src/assets/images/logo/logo.pptx
+++ b/src/assets/images/logo/logo.pptx
@@ -3347,64 +3347,12 @@
           <a:chExt cx="0" cy="0"/>
         </a:xfrm>
       </p:grpSpPr>
-      <p:sp>
-        <p:nvSpPr>
-          <p:cNvPr id="4" name="Textfeld 3">
-            <a:extLst>
-              <a:ext uri="{FF2B5EF4-FFF2-40B4-BE49-F238E27FC236}">
-                <a16:creationId xmlns:a16="http://schemas.microsoft.com/office/drawing/2014/main" id="{EE8B4A72-B894-4D94-B387-2CF087C76D68}"/>
-              </a:ext>
-            </a:extLst>
-          </p:cNvPr>
-          <p:cNvSpPr txBox="1"/>
-          <p:nvPr/>
-        </p:nvSpPr>
-        <p:spPr>
-          <a:xfrm>
-            <a:off x="6096001" y="2743201"/>
-            <a:ext cx="654844" cy="400110"/>
-          </a:xfrm>
-          <a:prstGeom prst="rect">
-            <a:avLst/>
-          </a:prstGeom>
-          <a:solidFill>
-            <a:schemeClr val="bg1">
-              <a:alpha val="0"/>
-            </a:schemeClr>
-          </a:solidFill>
-        </p:spPr>
-        <p:txBody>
-          <a:bodyPr wrap="square" rtlCol="0">
-            <a:spAutoFit/>
-          </a:bodyPr>
-          <a:lstStyle/>
-          <a:p>
-            <a:r>
-              <a:rPr lang="en-GB" sz="2000" dirty="0">
-                <a:solidFill>
-                  <a:schemeClr val="bg1"/>
-                </a:solidFill>
-                <a:latin typeface="Agency FB" panose="020B0503020202020204" pitchFamily="34" charset="0"/>
-                <a:cs typeface="Aharoni" panose="020B0604020202020204" pitchFamily="2" charset="-79"/>
-              </a:rPr>
-              <a:t>AI.GUI</a:t>
-            </a:r>
-            <a:endParaRPr lang="en-DE" sz="1000" dirty="0">
-              <a:solidFill>
-                <a:schemeClr val="bg1"/>
-              </a:solidFill>
-              <a:latin typeface="Agency FB" panose="020B0503020202020204" pitchFamily="34" charset="0"/>
-              <a:cs typeface="Aharoni" panose="020B0604020202020204" pitchFamily="2" charset="-79"/>
-            </a:endParaRPr>
-          </a:p>
-        </p:txBody>
-      </p:sp>
       <p:pic>
         <p:nvPicPr>
-          <p:cNvPr id="6" name="Grafik 5" descr="Erdkugel: Afrika und Europa mit einfarbiger Füllung">
-            <a:extLst>
-              <a:ext uri="{FF2B5EF4-FFF2-40B4-BE49-F238E27FC236}">
-                <a16:creationId xmlns:a16="http://schemas.microsoft.com/office/drawing/2014/main" id="{DAD92A51-C74F-47DB-979A-0171A5CEA990}"/>
+          <p:cNvPr id="17" name="Grafik 16" descr="Erdkugel: Afrika und Europa mit einfarbiger Füllung">
+            <a:extLst>
+              <a:ext uri="{FF2B5EF4-FFF2-40B4-BE49-F238E27FC236}">
+                <a16:creationId xmlns:a16="http://schemas.microsoft.com/office/drawing/2014/main" id="{B5D2C203-8815-4B35-8AA6-42F119074C76}"/>
               </a:ext>
             </a:extLst>
           </p:cNvPr>
@@ -3431,8 +3379,8 @@
         </p:blipFill>
         <p:spPr>
           <a:xfrm>
-            <a:off x="5843152" y="2778793"/>
-            <a:ext cx="315556" cy="316225"/>
+            <a:off x="5804890" y="4121923"/>
+            <a:ext cx="196040" cy="196455"/>
           </a:xfrm>
           <a:prstGeom prst="rect">
             <a:avLst/>
@@ -3441,10 +3389,10 @@
       </p:pic>
       <p:sp>
         <p:nvSpPr>
-          <p:cNvPr id="11" name="Rechteck 10">
-            <a:extLst>
-              <a:ext uri="{FF2B5EF4-FFF2-40B4-BE49-F238E27FC236}">
-                <a16:creationId xmlns:a16="http://schemas.microsoft.com/office/drawing/2014/main" id="{B268D095-23EA-42D5-9F00-7ECFF0E75CE7}"/>
+          <p:cNvPr id="19" name="Rechteck 18">
+            <a:extLst>
+              <a:ext uri="{FF2B5EF4-FFF2-40B4-BE49-F238E27FC236}">
+                <a16:creationId xmlns:a16="http://schemas.microsoft.com/office/drawing/2014/main" id="{9D607E64-7E05-4419-9DF4-6346897E763B}"/>
               </a:ext>
             </a:extLst>
           </p:cNvPr>
@@ -3453,7 +3401,7 @@
         </p:nvSpPr>
         <p:spPr>
           <a:xfrm>
-            <a:off x="5776914" y="2826544"/>
+            <a:off x="5687327" y="4107039"/>
             <a:ext cx="213700" cy="226220"/>
           </a:xfrm>
           <a:prstGeom prst="rect">
@@ -3495,10 +3443,10 @@
       </p:sp>
       <p:sp>
         <p:nvSpPr>
-          <p:cNvPr id="13" name="Rechteck 12">
-            <a:extLst>
-              <a:ext uri="{FF2B5EF4-FFF2-40B4-BE49-F238E27FC236}">
-                <a16:creationId xmlns:a16="http://schemas.microsoft.com/office/drawing/2014/main" id="{D1B6CC96-6BA0-41A6-9A3A-ADBC6523E9FA}"/>
+          <p:cNvPr id="22" name="Rechteck 21">
+            <a:extLst>
+              <a:ext uri="{FF2B5EF4-FFF2-40B4-BE49-F238E27FC236}">
+                <a16:creationId xmlns:a16="http://schemas.microsoft.com/office/drawing/2014/main" id="{C4608FC6-DA9E-4E0D-89DE-67E48457BD7E}"/>
               </a:ext>
             </a:extLst>
           </p:cNvPr>
@@ -3507,14 +3455,108 @@
         </p:nvSpPr>
         <p:spPr>
           <a:xfrm>
-            <a:off x="5888796" y="2677719"/>
-            <a:ext cx="757238" cy="226220"/>
+            <a:off x="5251450" y="2146300"/>
+            <a:ext cx="1879600" cy="1234096"/>
+          </a:xfrm>
+          <a:prstGeom prst="rect">
+            <a:avLst/>
+          </a:prstGeom>
+          <a:noFill/>
+        </p:spPr>
+        <p:style>
+          <a:lnRef idx="2">
+            <a:schemeClr val="accent1">
+              <a:shade val="50000"/>
+            </a:schemeClr>
+          </a:lnRef>
+          <a:fillRef idx="1">
+            <a:schemeClr val="accent1"/>
+          </a:fillRef>
+          <a:effectRef idx="0">
+            <a:schemeClr val="accent1"/>
+          </a:effectRef>
+          <a:fontRef idx="minor">
+            <a:schemeClr val="lt1"/>
+          </a:fontRef>
+        </p:style>
+        <p:txBody>
+          <a:bodyPr rtlCol="0" anchor="ctr"/>
+          <a:lstStyle/>
+          <a:p>
+            <a:pPr algn="ctr"/>
+            <a:endParaRPr lang="en-DE"/>
+          </a:p>
+        </p:txBody>
+      </p:sp>
+      <p:sp>
+        <p:nvSpPr>
+          <p:cNvPr id="24" name="Rechteck 23">
+            <a:extLst>
+              <a:ext uri="{FF2B5EF4-FFF2-40B4-BE49-F238E27FC236}">
+                <a16:creationId xmlns:a16="http://schemas.microsoft.com/office/drawing/2014/main" id="{875E3FD5-464B-422E-92DF-4A343DC77BAE}"/>
+              </a:ext>
+            </a:extLst>
+          </p:cNvPr>
+          <p:cNvSpPr/>
+          <p:nvPr/>
+        </p:nvSpPr>
+        <p:spPr>
+          <a:xfrm>
+            <a:off x="5251450" y="3607993"/>
+            <a:ext cx="1879600" cy="1234096"/>
+          </a:xfrm>
+          <a:prstGeom prst="rect">
+            <a:avLst/>
+          </a:prstGeom>
+          <a:noFill/>
+        </p:spPr>
+        <p:style>
+          <a:lnRef idx="2">
+            <a:schemeClr val="accent1">
+              <a:shade val="50000"/>
+            </a:schemeClr>
+          </a:lnRef>
+          <a:fillRef idx="1">
+            <a:schemeClr val="accent1"/>
+          </a:fillRef>
+          <a:effectRef idx="0">
+            <a:schemeClr val="accent1"/>
+          </a:effectRef>
+          <a:fontRef idx="minor">
+            <a:schemeClr val="lt1"/>
+          </a:fontRef>
+        </p:style>
+        <p:txBody>
+          <a:bodyPr rtlCol="0" anchor="ctr"/>
+          <a:lstStyle/>
+          <a:p>
+            <a:pPr algn="ctr"/>
+            <a:endParaRPr lang="en-DE"/>
+          </a:p>
+        </p:txBody>
+      </p:sp>
+      <p:sp>
+        <p:nvSpPr>
+          <p:cNvPr id="9" name="Rechteck 8">
+            <a:extLst>
+              <a:ext uri="{FF2B5EF4-FFF2-40B4-BE49-F238E27FC236}">
+                <a16:creationId xmlns:a16="http://schemas.microsoft.com/office/drawing/2014/main" id="{86E6F24A-C825-4E82-BD97-06889DB2AA06}"/>
+              </a:ext>
+            </a:extLst>
+          </p:cNvPr>
+          <p:cNvSpPr/>
+          <p:nvPr/>
+        </p:nvSpPr>
+        <p:spPr>
+          <a:xfrm>
+            <a:off x="5925531" y="4098706"/>
+            <a:ext cx="492308" cy="242887"/>
           </a:xfrm>
           <a:prstGeom prst="rect">
             <a:avLst/>
           </a:prstGeom>
           <a:solidFill>
-            <a:srgbClr val="FFFFFF">
+            <a:srgbClr val="4472C4">
               <a:alpha val="0"/>
             </a:srgbClr>
           </a:solidFill>
@@ -3542,52 +3584,52 @@
           <a:bodyPr rtlCol="0" anchor="ctr"/>
           <a:lstStyle/>
           <a:p>
-            <a:pPr algn="ctr"/>
-            <a:endParaRPr lang="en-DE"/>
-          </a:p>
-        </p:txBody>
-      </p:sp>
-      <p:sp>
-        <p:nvSpPr>
-          <p:cNvPr id="15" name="Textfeld 14">
-            <a:extLst>
-              <a:ext uri="{FF2B5EF4-FFF2-40B4-BE49-F238E27FC236}">
-                <a16:creationId xmlns:a16="http://schemas.microsoft.com/office/drawing/2014/main" id="{B21E22CC-C21E-4173-8B15-2CA547D50AD0}"/>
-              </a:ext>
-            </a:extLst>
-          </p:cNvPr>
-          <p:cNvSpPr txBox="1"/>
-          <p:nvPr/>
-        </p:nvSpPr>
-        <p:spPr>
-          <a:xfrm>
-            <a:off x="5933464" y="4083322"/>
-            <a:ext cx="654844" cy="338554"/>
-          </a:xfrm>
-          <a:prstGeom prst="rect">
-            <a:avLst/>
-          </a:prstGeom>
-          <a:solidFill>
-            <a:schemeClr val="bg1">
-              <a:alpha val="0"/>
-            </a:schemeClr>
-          </a:solidFill>
-        </p:spPr>
-        <p:txBody>
-          <a:bodyPr wrap="square" rtlCol="0">
-            <a:spAutoFit/>
-          </a:bodyPr>
-          <a:lstStyle/>
-          <a:p>
-            <a:r>
-              <a:rPr lang="en-GB" sz="1600" dirty="0">
+            <a:pPr marL="0" marR="0" lvl="0" indent="0" algn="l" defTabSz="914400" rtl="0" eaLnBrk="1" fontAlgn="auto" latinLnBrk="0" hangingPunct="1">
+              <a:lnSpc>
+                <a:spcPct val="100000"/>
+              </a:lnSpc>
+              <a:spcBef>
+                <a:spcPts val="0"/>
+              </a:spcBef>
+              <a:spcAft>
+                <a:spcPts val="0"/>
+              </a:spcAft>
+              <a:buClrTx/>
+              <a:buSzTx/>
+              <a:buFontTx/>
+              <a:buNone/>
+              <a:tabLst/>
+              <a:defRPr/>
+            </a:pPr>
+            <a:r>
+              <a:rPr kumimoji="0" lang="en-GB" sz="1200" b="0" i="0" u="none" strike="noStrike" kern="1200" cap="none" spc="0" normalizeH="0" baseline="0" noProof="0" dirty="0">
+                <a:ln>
+                  <a:noFill/>
+                </a:ln>
+                <a:solidFill>
+                  <a:prstClr val="black"/>
+                </a:solidFill>
+                <a:effectLst/>
+                <a:uLnTx/>
+                <a:uFillTx/>
                 <a:latin typeface="Agency FB" panose="020B0503020202020204" pitchFamily="34" charset="0"/>
+                <a:ea typeface="+mn-ea"/>
                 <a:cs typeface="Aharoni" panose="020B0604020202020204" pitchFamily="2" charset="-79"/>
               </a:rPr>
               <a:t>AI.GUI</a:t>
             </a:r>
-            <a:endParaRPr lang="en-DE" sz="800" dirty="0">
+            <a:endParaRPr kumimoji="0" lang="en-DE" sz="600" b="0" i="0" u="none" strike="noStrike" kern="1200" cap="none" spc="0" normalizeH="0" baseline="0" noProof="0" dirty="0">
+              <a:ln>
+                <a:noFill/>
+              </a:ln>
+              <a:solidFill>
+                <a:prstClr val="black"/>
+              </a:solidFill>
+              <a:effectLst/>
+              <a:uLnTx/>
+              <a:uFillTx/>
               <a:latin typeface="Agency FB" panose="020B0503020202020204" pitchFamily="34" charset="0"/>
+              <a:ea typeface="+mn-ea"/>
               <a:cs typeface="Aharoni" panose="020B0604020202020204" pitchFamily="2" charset="-79"/>
             </a:endParaRPr>
           </a:p>
@@ -3595,10 +3637,10 @@
       </p:sp>
       <p:pic>
         <p:nvPicPr>
-          <p:cNvPr id="17" name="Grafik 16" descr="Erdkugel: Afrika und Europa mit einfarbiger Füllung">
-            <a:extLst>
-              <a:ext uri="{FF2B5EF4-FFF2-40B4-BE49-F238E27FC236}">
-                <a16:creationId xmlns:a16="http://schemas.microsoft.com/office/drawing/2014/main" id="{B5D2C203-8815-4B35-8AA6-42F119074C76}"/>
+          <p:cNvPr id="10" name="Grafik 9" descr="Erdkugel: Afrika und Europa mit einfarbiger Füllung">
+            <a:extLst>
+              <a:ext uri="{FF2B5EF4-FFF2-40B4-BE49-F238E27FC236}">
+                <a16:creationId xmlns:a16="http://schemas.microsoft.com/office/drawing/2014/main" id="{DBAB437F-0976-4A55-85EF-12FDA1F56BA1}"/>
               </a:ext>
             </a:extLst>
           </p:cNvPr>
@@ -3625,8 +3667,8 @@
         </p:blipFill>
         <p:spPr>
           <a:xfrm>
-            <a:off x="5763219" y="4129418"/>
-            <a:ext cx="241089" cy="241600"/>
+            <a:off x="5910917" y="2606874"/>
+            <a:ext cx="196040" cy="196455"/>
           </a:xfrm>
           <a:prstGeom prst="rect">
             <a:avLst/>
@@ -3635,10 +3677,10 @@
       </p:pic>
       <p:sp>
         <p:nvSpPr>
-          <p:cNvPr id="19" name="Rechteck 18">
-            <a:extLst>
-              <a:ext uri="{FF2B5EF4-FFF2-40B4-BE49-F238E27FC236}">
-                <a16:creationId xmlns:a16="http://schemas.microsoft.com/office/drawing/2014/main" id="{9D607E64-7E05-4419-9DF4-6346897E763B}"/>
+          <p:cNvPr id="26" name="Rechteck 25">
+            <a:extLst>
+              <a:ext uri="{FF2B5EF4-FFF2-40B4-BE49-F238E27FC236}">
+                <a16:creationId xmlns:a16="http://schemas.microsoft.com/office/drawing/2014/main" id="{B38AC511-81CB-41A8-BB36-D56283CE66B3}"/>
               </a:ext>
             </a:extLst>
           </p:cNvPr>
@@ -3647,7 +3689,7 @@
         </p:nvSpPr>
         <p:spPr>
           <a:xfrm>
-            <a:off x="5607234" y="4166665"/>
+            <a:off x="5793354" y="2591990"/>
             <a:ext cx="213700" cy="226220"/>
           </a:xfrm>
           <a:prstGeom prst="rect">
@@ -3689,10 +3731,10 @@
       </p:sp>
       <p:sp>
         <p:nvSpPr>
-          <p:cNvPr id="21" name="Rechteck 20">
-            <a:extLst>
-              <a:ext uri="{FF2B5EF4-FFF2-40B4-BE49-F238E27FC236}">
-                <a16:creationId xmlns:a16="http://schemas.microsoft.com/office/drawing/2014/main" id="{BAEBC66A-8E20-4B46-AA07-59C8127953DC}"/>
+          <p:cNvPr id="28" name="Rechteck 27">
+            <a:extLst>
+              <a:ext uri="{FF2B5EF4-FFF2-40B4-BE49-F238E27FC236}">
+                <a16:creationId xmlns:a16="http://schemas.microsoft.com/office/drawing/2014/main" id="{202381F7-F206-4DE9-A643-5BBBC059E8DD}"/>
               </a:ext>
             </a:extLst>
           </p:cNvPr>
@@ -3701,14 +3743,14 @@
         </p:nvSpPr>
         <p:spPr>
           <a:xfrm>
-            <a:off x="5726259" y="4041650"/>
-            <a:ext cx="757238" cy="226220"/>
+            <a:off x="6031558" y="2583657"/>
+            <a:ext cx="492308" cy="242887"/>
           </a:xfrm>
           <a:prstGeom prst="rect">
             <a:avLst/>
           </a:prstGeom>
           <a:solidFill>
-            <a:srgbClr val="FFFFFF">
+            <a:srgbClr val="4472C4">
               <a:alpha val="0"/>
             </a:srgbClr>
           </a:solidFill>
@@ -3736,102 +3778,126 @@
           <a:bodyPr rtlCol="0" anchor="ctr"/>
           <a:lstStyle/>
           <a:p>
-            <a:pPr algn="ctr"/>
-            <a:endParaRPr lang="en-DE"/>
-          </a:p>
-        </p:txBody>
-      </p:sp>
-      <p:sp>
-        <p:nvSpPr>
-          <p:cNvPr id="22" name="Rechteck 21">
-            <a:extLst>
-              <a:ext uri="{FF2B5EF4-FFF2-40B4-BE49-F238E27FC236}">
-                <a16:creationId xmlns:a16="http://schemas.microsoft.com/office/drawing/2014/main" id="{C4608FC6-DA9E-4E0D-89DE-67E48457BD7E}"/>
-              </a:ext>
-            </a:extLst>
-          </p:cNvPr>
-          <p:cNvSpPr/>
+            <a:pPr marL="0" marR="0" lvl="0" indent="0" algn="l" defTabSz="914400" rtl="0" eaLnBrk="1" fontAlgn="auto" latinLnBrk="0" hangingPunct="1">
+              <a:lnSpc>
+                <a:spcPct val="100000"/>
+              </a:lnSpc>
+              <a:spcBef>
+                <a:spcPts val="0"/>
+              </a:spcBef>
+              <a:spcAft>
+                <a:spcPts val="0"/>
+              </a:spcAft>
+              <a:buClrTx/>
+              <a:buSzTx/>
+              <a:buFontTx/>
+              <a:buNone/>
+              <a:tabLst/>
+              <a:defRPr/>
+            </a:pPr>
+            <a:r>
+              <a:rPr kumimoji="0" lang="en-GB" sz="1200" b="0" i="0" u="none" strike="noStrike" kern="1200" cap="none" spc="0" normalizeH="0" baseline="0" noProof="0" dirty="0">
+                <a:ln>
+                  <a:noFill/>
+                </a:ln>
+                <a:solidFill>
+                  <a:schemeClr val="bg1"/>
+                </a:solidFill>
+                <a:effectLst/>
+                <a:uLnTx/>
+                <a:uFillTx/>
+                <a:latin typeface="Agency FB" panose="020B0503020202020204" pitchFamily="34" charset="0"/>
+                <a:ea typeface="+mn-ea"/>
+                <a:cs typeface="Aharoni" panose="020B0604020202020204" pitchFamily="2" charset="-79"/>
+              </a:rPr>
+              <a:t>AI.GUI</a:t>
+            </a:r>
+            <a:endParaRPr kumimoji="0" lang="en-DE" sz="600" b="0" i="0" u="none" strike="noStrike" kern="1200" cap="none" spc="0" normalizeH="0" baseline="0" noProof="0" dirty="0">
+              <a:ln>
+                <a:noFill/>
+              </a:ln>
+              <a:solidFill>
+                <a:schemeClr val="bg1"/>
+              </a:solidFill>
+              <a:effectLst/>
+              <a:uLnTx/>
+              <a:uFillTx/>
+              <a:latin typeface="Agency FB" panose="020B0503020202020204" pitchFamily="34" charset="0"/>
+              <a:ea typeface="+mn-ea"/>
+              <a:cs typeface="Aharoni" panose="020B0604020202020204" pitchFamily="2" charset="-79"/>
+            </a:endParaRPr>
+          </a:p>
+        </p:txBody>
+      </p:sp>
+      <p:sp>
+        <p:nvSpPr>
+          <p:cNvPr id="35" name="Textfeld 34">
+            <a:extLst>
+              <a:ext uri="{FF2B5EF4-FFF2-40B4-BE49-F238E27FC236}">
+                <a16:creationId xmlns:a16="http://schemas.microsoft.com/office/drawing/2014/main" id="{0B83A9E5-E833-4AC3-BF42-02AA440D40D8}"/>
+              </a:ext>
+            </a:extLst>
+          </p:cNvPr>
+          <p:cNvSpPr txBox="1"/>
           <p:nvPr/>
         </p:nvSpPr>
         <p:spPr>
           <a:xfrm>
-            <a:off x="5251450" y="2146300"/>
-            <a:ext cx="1879600" cy="1234096"/>
+            <a:off x="3783138" y="2308387"/>
+            <a:ext cx="1439881" cy="369332"/>
           </a:xfrm>
           <a:prstGeom prst="rect">
             <a:avLst/>
           </a:prstGeom>
           <a:noFill/>
         </p:spPr>
-        <p:style>
-          <a:lnRef idx="2">
-            <a:schemeClr val="accent1">
-              <a:shade val="50000"/>
-            </a:schemeClr>
-          </a:lnRef>
-          <a:fillRef idx="1">
-            <a:schemeClr val="accent1"/>
-          </a:fillRef>
-          <a:effectRef idx="0">
-            <a:schemeClr val="accent1"/>
-          </a:effectRef>
-          <a:fontRef idx="minor">
-            <a:schemeClr val="lt1"/>
-          </a:fontRef>
-        </p:style>
-        <p:txBody>
-          <a:bodyPr rtlCol="0" anchor="ctr"/>
-          <a:lstStyle/>
-          <a:p>
-            <a:pPr algn="ctr"/>
-            <a:endParaRPr lang="en-DE"/>
-          </a:p>
-        </p:txBody>
-      </p:sp>
-      <p:sp>
-        <p:nvSpPr>
-          <p:cNvPr id="24" name="Rechteck 23">
-            <a:extLst>
-              <a:ext uri="{FF2B5EF4-FFF2-40B4-BE49-F238E27FC236}">
-                <a16:creationId xmlns:a16="http://schemas.microsoft.com/office/drawing/2014/main" id="{875E3FD5-464B-422E-92DF-4A343DC77BAE}"/>
-              </a:ext>
-            </a:extLst>
-          </p:cNvPr>
-          <p:cNvSpPr/>
+        <p:txBody>
+          <a:bodyPr wrap="none" rtlCol="0">
+            <a:spAutoFit/>
+          </a:bodyPr>
+          <a:lstStyle/>
+          <a:p>
+            <a:r>
+              <a:rPr lang="en-GB" dirty="0"/>
+              <a:t>Navbar white</a:t>
+            </a:r>
+            <a:endParaRPr lang="en-DE" dirty="0"/>
+          </a:p>
+        </p:txBody>
+      </p:sp>
+      <p:sp>
+        <p:nvSpPr>
+          <p:cNvPr id="37" name="Textfeld 36">
+            <a:extLst>
+              <a:ext uri="{FF2B5EF4-FFF2-40B4-BE49-F238E27FC236}">
+                <a16:creationId xmlns:a16="http://schemas.microsoft.com/office/drawing/2014/main" id="{71E8B822-E1FE-4C82-9CC7-5308A404E54D}"/>
+              </a:ext>
+            </a:extLst>
+          </p:cNvPr>
+          <p:cNvSpPr txBox="1"/>
           <p:nvPr/>
         </p:nvSpPr>
         <p:spPr>
           <a:xfrm>
-            <a:off x="5251450" y="3607993"/>
-            <a:ext cx="1879600" cy="1234096"/>
+            <a:off x="3241493" y="3833569"/>
+            <a:ext cx="1951175" cy="369332"/>
           </a:xfrm>
           <a:prstGeom prst="rect">
             <a:avLst/>
           </a:prstGeom>
           <a:noFill/>
         </p:spPr>
-        <p:style>
-          <a:lnRef idx="2">
-            <a:schemeClr val="accent1">
-              <a:shade val="50000"/>
-            </a:schemeClr>
-          </a:lnRef>
-          <a:fillRef idx="1">
-            <a:schemeClr val="accent1"/>
-          </a:fillRef>
-          <a:effectRef idx="0">
-            <a:schemeClr val="accent1"/>
-          </a:effectRef>
-          <a:fontRef idx="minor">
-            <a:schemeClr val="lt1"/>
-          </a:fontRef>
-        </p:style>
-        <p:txBody>
-          <a:bodyPr rtlCol="0" anchor="ctr"/>
-          <a:lstStyle/>
-          <a:p>
-            <a:pPr algn="ctr"/>
-            <a:endParaRPr lang="en-DE"/>
+        <p:txBody>
+          <a:bodyPr wrap="none" rtlCol="0">
+            <a:spAutoFit/>
+          </a:bodyPr>
+          <a:lstStyle/>
+          <a:p>
+            <a:r>
+              <a:rPr lang="en-GB" dirty="0"/>
+              <a:t>Signup/Login black</a:t>
+            </a:r>
+            <a:endParaRPr lang="en-DE" dirty="0"/>
           </a:p>
         </p:txBody>
       </p:sp>
